--- a/PPT/论文流程图--含制作过程版.pptx
+++ b/PPT/论文流程图--含制作过程版.pptx
@@ -16,6 +16,8 @@
     <p:sldId id="261" r:id="rId9"/>
     <p:sldId id="263" r:id="rId10"/>
     <p:sldId id="264" r:id="rId11"/>
+    <p:sldId id="267" r:id="rId12"/>
+    <p:sldId id="266" r:id="rId13"/>
   </p:sldIdLst>
   <p:sldSz cx="12192000" cy="6858000"/>
   <p:notesSz cx="6858000" cy="9144000"/>
@@ -131,10 +133,16 @@
         </p14:section>
         <p14:section name="PM处理流程" id="{0f06179d-a5c6-4d24-9ba4-0c758687534c}">
           <p14:sldIdLst>
+            <p14:sldId id="262"/>
             <p14:sldId id="261"/>
             <p14:sldId id="263"/>
             <p14:sldId id="264"/>
-            <p14:sldId id="262"/>
+          </p14:sldIdLst>
+        </p14:section>
+        <p14:section name="使用相同贴图的人距离尽可能远" id="{f264e4f9-98f0-4a88-95c7-9146a0935947}">
+          <p14:sldIdLst>
+            <p14:sldId id="267"/>
+            <p14:sldId id="266"/>
           </p14:sldIdLst>
         </p14:section>
       </p14:sectionLst>
@@ -4768,6 +4776,60 @@
           <a:bodyPr rtlCol="0" anchor="ctr"/>
           <a:p>
             <a:pPr algn="ctr"/>
+            <a:endParaRPr lang="zh-CN" altLang="en-US"/>
+          </a:p>
+        </p:txBody>
+      </p:sp>
+    </p:spTree>
+  </p:cSld>
+  <p:clrMapOvr>
+    <a:masterClrMapping/>
+  </p:clrMapOvr>
+</p:sld>
+</file>
+
+<file path=ppt/slides/slide10.xml><?xml version="1.0" encoding="utf-8"?>
+<p:sld xmlns:a="http://schemas.openxmlformats.org/drawingml/2006/main" xmlns:r="http://schemas.openxmlformats.org/officeDocument/2006/relationships" xmlns:p="http://schemas.openxmlformats.org/presentationml/2006/main">
+  <p:cSld>
+    <p:spTree>
+      <p:nvGrpSpPr>
+        <p:cNvPr id="1" name=""/>
+        <p:cNvGrpSpPr/>
+        <p:nvPr/>
+      </p:nvGrpSpPr>
+      <p:grpSpPr/>
+      <p:sp>
+        <p:nvSpPr>
+          <p:cNvPr id="2" name="标题 1"/>
+          <p:cNvSpPr>
+            <a:spLocks noGrp="1"/>
+          </p:cNvSpPr>
+          <p:nvPr>
+            <p:ph type="ctrTitle"/>
+          </p:nvPr>
+        </p:nvSpPr>
+        <p:spPr/>
+        <p:txBody>
+          <a:bodyPr/>
+          <a:p>
+            <a:endParaRPr lang="zh-CN" altLang="en-US"/>
+          </a:p>
+        </p:txBody>
+      </p:sp>
+      <p:sp>
+        <p:nvSpPr>
+          <p:cNvPr id="3" name="副标题 2"/>
+          <p:cNvSpPr>
+            <a:spLocks noGrp="1"/>
+          </p:cNvSpPr>
+          <p:nvPr>
+            <p:ph type="subTitle" idx="1"/>
+          </p:nvPr>
+        </p:nvSpPr>
+        <p:spPr/>
+        <p:txBody>
+          <a:bodyPr/>
+          <a:p>
             <a:endParaRPr lang="zh-CN" altLang="en-US"/>
           </a:p>
         </p:txBody>
@@ -15597,6 +15659,60 @@
 </p:sld>
 </file>
 
+<file path=ppt/slides/slide9.xml><?xml version="1.0" encoding="utf-8"?>
+<p:sld xmlns:a="http://schemas.openxmlformats.org/drawingml/2006/main" xmlns:r="http://schemas.openxmlformats.org/officeDocument/2006/relationships" xmlns:p="http://schemas.openxmlformats.org/presentationml/2006/main">
+  <p:cSld>
+    <p:spTree>
+      <p:nvGrpSpPr>
+        <p:cNvPr id="1" name=""/>
+        <p:cNvGrpSpPr/>
+        <p:nvPr/>
+      </p:nvGrpSpPr>
+      <p:grpSpPr/>
+      <p:sp>
+        <p:nvSpPr>
+          <p:cNvPr id="2" name="标题 1"/>
+          <p:cNvSpPr>
+            <a:spLocks noGrp="1"/>
+          </p:cNvSpPr>
+          <p:nvPr>
+            <p:ph type="title"/>
+          </p:nvPr>
+        </p:nvSpPr>
+        <p:spPr/>
+        <p:txBody>
+          <a:bodyPr/>
+          <a:p>
+            <a:endParaRPr lang="zh-CN" altLang="en-US"/>
+          </a:p>
+        </p:txBody>
+      </p:sp>
+      <p:sp>
+        <p:nvSpPr>
+          <p:cNvPr id="3" name="内容占位符 2"/>
+          <p:cNvSpPr>
+            <a:spLocks noGrp="1"/>
+          </p:cNvSpPr>
+          <p:nvPr>
+            <p:ph idx="1"/>
+          </p:nvPr>
+        </p:nvSpPr>
+        <p:spPr/>
+        <p:txBody>
+          <a:bodyPr/>
+          <a:p>
+            <a:endParaRPr lang="zh-CN" altLang="en-US"/>
+          </a:p>
+        </p:txBody>
+      </p:sp>
+    </p:spTree>
+  </p:cSld>
+  <p:clrMapOvr>
+    <a:masterClrMapping/>
+  </p:clrMapOvr>
+</p:sld>
+</file>
+
 <file path=ppt/theme/theme1.xml><?xml version="1.0" encoding="utf-8"?>
 <a:theme xmlns:a="http://schemas.openxmlformats.org/drawingml/2006/main" name="Office 主题">
   <a:themeElements>
